--- a/documents/slides/java/Bai 2- Constructor trong Java va huong dan su dung Maven tool.pptx
+++ b/documents/slides/java/Bai 2- Constructor trong Java va huong dan su dung Maven tool.pptx
@@ -19,6 +19,7 @@
     <p:sldId id="267" r:id="rId13"/>
     <p:sldId id="268" r:id="rId14"/>
     <p:sldId id="269" r:id="rId15"/>
+    <p:sldId id="270" r:id="rId16"/>
   </p:sldIdLst>
   <p:sldSz cx="12192000" cy="6858000"/>
   <p:notesSz cx="6858000" cy="9144000"/>
@@ -117,6 +118,11 @@
       </a:defRPr>
     </a:lvl9pPr>
   </p:defaultTextStyle>
+  <p:extLst>
+    <p:ext uri="{EFAFB233-063F-42B5-8137-9DF3F51BA10A}">
+      <p15:sldGuideLst xmlns:p15="http://schemas.microsoft.com/office/powerpoint/2012/main"/>
+    </p:ext>
+  </p:extLst>
 </p:presentation>
 </file>
 
@@ -842,7 +848,7 @@
           <a:p>
             <a:fld id="{10F8DB96-EAD2-4B7B-9161-3AAF368980AF}" type="datetimeFigureOut">
               <a:rPr lang="en-US" smtClean="0"/>
-              <a:t>6/8/2020</a:t>
+              <a:t>6/9/2020</a:t>
             </a:fld>
             <a:endParaRPr lang="en-US"/>
           </a:p>
@@ -1093,7 +1099,7 @@
           <a:p>
             <a:fld id="{10F8DB96-EAD2-4B7B-9161-3AAF368980AF}" type="datetimeFigureOut">
               <a:rPr lang="en-US" smtClean="0"/>
-              <a:t>6/8/2020</a:t>
+              <a:t>6/9/2020</a:t>
             </a:fld>
             <a:endParaRPr lang="en-US"/>
           </a:p>
@@ -1407,7 +1413,7 @@
           <a:p>
             <a:fld id="{10F8DB96-EAD2-4B7B-9161-3AAF368980AF}" type="datetimeFigureOut">
               <a:rPr lang="en-US" smtClean="0"/>
-              <a:t>6/8/2020</a:t>
+              <a:t>6/9/2020</a:t>
             </a:fld>
             <a:endParaRPr lang="en-US"/>
           </a:p>
@@ -1748,7 +1754,7 @@
           <a:p>
             <a:fld id="{10F8DB96-EAD2-4B7B-9161-3AAF368980AF}" type="datetimeFigureOut">
               <a:rPr lang="en-US" smtClean="0"/>
-              <a:t>6/8/2020</a:t>
+              <a:t>6/9/2020</a:t>
             </a:fld>
             <a:endParaRPr lang="en-US"/>
           </a:p>
@@ -2062,7 +2068,7 @@
           <a:p>
             <a:fld id="{10F8DB96-EAD2-4B7B-9161-3AAF368980AF}" type="datetimeFigureOut">
               <a:rPr lang="en-US" smtClean="0"/>
-              <a:t>6/8/2020</a:t>
+              <a:t>6/9/2020</a:t>
             </a:fld>
             <a:endParaRPr lang="en-US"/>
           </a:p>
@@ -2455,7 +2461,7 @@
           <a:p>
             <a:fld id="{10F8DB96-EAD2-4B7B-9161-3AAF368980AF}" type="datetimeFigureOut">
               <a:rPr lang="en-US" smtClean="0"/>
-              <a:t>6/8/2020</a:t>
+              <a:t>6/9/2020</a:t>
             </a:fld>
             <a:endParaRPr lang="en-US"/>
           </a:p>
@@ -2625,7 +2631,7 @@
           <a:p>
             <a:fld id="{10F8DB96-EAD2-4B7B-9161-3AAF368980AF}" type="datetimeFigureOut">
               <a:rPr lang="en-US" smtClean="0"/>
-              <a:t>6/8/2020</a:t>
+              <a:t>6/9/2020</a:t>
             </a:fld>
             <a:endParaRPr lang="en-US"/>
           </a:p>
@@ -2805,7 +2811,7 @@
           <a:p>
             <a:fld id="{10F8DB96-EAD2-4B7B-9161-3AAF368980AF}" type="datetimeFigureOut">
               <a:rPr lang="en-US" smtClean="0"/>
-              <a:t>6/8/2020</a:t>
+              <a:t>6/9/2020</a:t>
             </a:fld>
             <a:endParaRPr lang="en-US"/>
           </a:p>
@@ -2981,7 +2987,7 @@
           <a:p>
             <a:fld id="{10F8DB96-EAD2-4B7B-9161-3AAF368980AF}" type="datetimeFigureOut">
               <a:rPr lang="en-US" smtClean="0"/>
-              <a:t>6/8/2020</a:t>
+              <a:t>6/9/2020</a:t>
             </a:fld>
             <a:endParaRPr lang="en-US"/>
           </a:p>
@@ -3228,7 +3234,7 @@
           <a:p>
             <a:fld id="{10F8DB96-EAD2-4B7B-9161-3AAF368980AF}" type="datetimeFigureOut">
               <a:rPr lang="en-US" smtClean="0"/>
-              <a:t>6/8/2020</a:t>
+              <a:t>6/9/2020</a:t>
             </a:fld>
             <a:endParaRPr lang="en-US"/>
           </a:p>
@@ -3460,7 +3466,7 @@
           <a:p>
             <a:fld id="{10F8DB96-EAD2-4B7B-9161-3AAF368980AF}" type="datetimeFigureOut">
               <a:rPr lang="en-US" smtClean="0"/>
-              <a:t>6/8/2020</a:t>
+              <a:t>6/9/2020</a:t>
             </a:fld>
             <a:endParaRPr lang="en-US"/>
           </a:p>
@@ -3834,7 +3840,7 @@
           <a:p>
             <a:fld id="{10F8DB96-EAD2-4B7B-9161-3AAF368980AF}" type="datetimeFigureOut">
               <a:rPr lang="en-US" smtClean="0"/>
-              <a:t>6/8/2020</a:t>
+              <a:t>6/9/2020</a:t>
             </a:fld>
             <a:endParaRPr lang="en-US"/>
           </a:p>
@@ -3957,7 +3963,7 @@
           <a:p>
             <a:fld id="{10F8DB96-EAD2-4B7B-9161-3AAF368980AF}" type="datetimeFigureOut">
               <a:rPr lang="en-US" smtClean="0"/>
-              <a:t>6/8/2020</a:t>
+              <a:t>6/9/2020</a:t>
             </a:fld>
             <a:endParaRPr lang="en-US"/>
           </a:p>
@@ -4052,7 +4058,7 @@
           <a:p>
             <a:fld id="{10F8DB96-EAD2-4B7B-9161-3AAF368980AF}" type="datetimeFigureOut">
               <a:rPr lang="en-US" smtClean="0"/>
-              <a:t>6/8/2020</a:t>
+              <a:t>6/9/2020</a:t>
             </a:fld>
             <a:endParaRPr lang="en-US"/>
           </a:p>
@@ -4307,7 +4313,7 @@
           <a:p>
             <a:fld id="{10F8DB96-EAD2-4B7B-9161-3AAF368980AF}" type="datetimeFigureOut">
               <a:rPr lang="en-US" smtClean="0"/>
-              <a:t>6/8/2020</a:t>
+              <a:t>6/9/2020</a:t>
             </a:fld>
             <a:endParaRPr lang="en-US"/>
           </a:p>
@@ -4570,7 +4576,7 @@
           <a:p>
             <a:fld id="{10F8DB96-EAD2-4B7B-9161-3AAF368980AF}" type="datetimeFigureOut">
               <a:rPr lang="en-US" smtClean="0"/>
-              <a:t>6/8/2020</a:t>
+              <a:t>6/9/2020</a:t>
             </a:fld>
             <a:endParaRPr lang="en-US"/>
           </a:p>
@@ -5313,7 +5319,7 @@
           <a:p>
             <a:fld id="{10F8DB96-EAD2-4B7B-9161-3AAF368980AF}" type="datetimeFigureOut">
               <a:rPr lang="en-US" smtClean="0"/>
-              <a:t>6/8/2020</a:t>
+              <a:t>6/9/2020</a:t>
             </a:fld>
             <a:endParaRPr lang="en-US"/>
           </a:p>
@@ -7045,6 +7051,798 @@
 </p:sld>
 </file>
 
+<file path=ppt/slides/slide15.xml><?xml version="1.0" encoding="utf-8"?>
+<p:sld xmlns:a="http://schemas.openxmlformats.org/drawingml/2006/main" xmlns:r="http://schemas.openxmlformats.org/officeDocument/2006/relationships" xmlns:p="http://schemas.openxmlformats.org/presentationml/2006/main">
+  <p:cSld>
+    <p:spTree>
+      <p:nvGrpSpPr>
+        <p:cNvPr id="1" name=""/>
+        <p:cNvGrpSpPr/>
+        <p:nvPr/>
+      </p:nvGrpSpPr>
+      <p:grpSpPr>
+        <a:xfrm>
+          <a:off x="0" y="0"/>
+          <a:ext cx="0" cy="0"/>
+          <a:chOff x="0" y="0"/>
+          <a:chExt cx="0" cy="0"/>
+        </a:xfrm>
+      </p:grpSpPr>
+      <p:sp>
+        <p:nvSpPr>
+          <p:cNvPr id="2" name="Title 1"/>
+          <p:cNvSpPr>
+            <a:spLocks noGrp="1"/>
+          </p:cNvSpPr>
+          <p:nvPr>
+            <p:ph type="title"/>
+          </p:nvPr>
+        </p:nvSpPr>
+        <p:spPr/>
+        <p:txBody>
+          <a:bodyPr/>
+          <a:lstStyle/>
+          <a:p>
+            <a:r>
+              <a:rPr lang="en-US" dirty="0" err="1" smtClean="0"/>
+              <a:t>Bài</a:t>
+            </a:r>
+            <a:r>
+              <a:rPr lang="en-US" dirty="0" smtClean="0"/>
+              <a:t> </a:t>
+            </a:r>
+            <a:r>
+              <a:rPr lang="en-US" dirty="0" err="1" smtClean="0"/>
+              <a:t>tập</a:t>
+            </a:r>
+            <a:endParaRPr lang="en-US" dirty="0"/>
+          </a:p>
+        </p:txBody>
+      </p:sp>
+      <p:sp>
+        <p:nvSpPr>
+          <p:cNvPr id="3" name="Content Placeholder 2"/>
+          <p:cNvSpPr>
+            <a:spLocks noGrp="1"/>
+          </p:cNvSpPr>
+          <p:nvPr>
+            <p:ph idx="1"/>
+          </p:nvPr>
+        </p:nvSpPr>
+        <p:spPr/>
+        <p:txBody>
+          <a:bodyPr/>
+          <a:lstStyle/>
+          <a:p>
+            <a:r>
+              <a:rPr lang="en-US" dirty="0" err="1" smtClean="0"/>
+              <a:t>Tạo</a:t>
+            </a:r>
+            <a:r>
+              <a:rPr lang="en-US" dirty="0" smtClean="0"/>
+              <a:t> class “</a:t>
+            </a:r>
+            <a:r>
+              <a:rPr lang="en-US" dirty="0" err="1" smtClean="0"/>
+              <a:t>TinhTong</a:t>
+            </a:r>
+            <a:r>
+              <a:rPr lang="en-US" dirty="0" smtClean="0"/>
+              <a:t>” </a:t>
+            </a:r>
+            <a:r>
+              <a:rPr lang="en-US" dirty="0" err="1" smtClean="0"/>
+              <a:t>với</a:t>
+            </a:r>
+            <a:r>
+              <a:rPr lang="en-US" dirty="0" smtClean="0"/>
+              <a:t> 4 </a:t>
+            </a:r>
+            <a:r>
+              <a:rPr lang="en-US" dirty="0" err="1" smtClean="0"/>
+              <a:t>properites</a:t>
+            </a:r>
+            <a:r>
+              <a:rPr lang="en-US" dirty="0" smtClean="0"/>
+              <a:t> float a, float b, </a:t>
+            </a:r>
+            <a:r>
+              <a:rPr lang="en-US" dirty="0" err="1" smtClean="0"/>
+              <a:t>int</a:t>
+            </a:r>
+            <a:r>
+              <a:rPr lang="en-US" dirty="0" smtClean="0"/>
+              <a:t> a1, </a:t>
+            </a:r>
+            <a:r>
+              <a:rPr lang="en-US" dirty="0" err="1" smtClean="0"/>
+              <a:t>int</a:t>
+            </a:r>
+            <a:r>
+              <a:rPr lang="en-US" dirty="0" smtClean="0"/>
+              <a:t> b2</a:t>
+            </a:r>
+          </a:p>
+          <a:p>
+            <a:r>
+              <a:rPr lang="en-US" dirty="0" err="1" smtClean="0"/>
+              <a:t>Tạo</a:t>
+            </a:r>
+            <a:r>
+              <a:rPr lang="en-US" dirty="0" smtClean="0"/>
+              <a:t> </a:t>
+            </a:r>
+            <a:r>
+              <a:rPr lang="en-US" dirty="0" err="1" smtClean="0"/>
+              <a:t>hàm</a:t>
+            </a:r>
+            <a:r>
+              <a:rPr lang="en-US" dirty="0" smtClean="0"/>
+              <a:t> constructor </a:t>
+            </a:r>
+            <a:r>
+              <a:rPr lang="en-US" dirty="0" err="1" smtClean="0"/>
+              <a:t>với</a:t>
+            </a:r>
+            <a:r>
+              <a:rPr lang="en-US" dirty="0" smtClean="0"/>
+              <a:t> 2 </a:t>
+            </a:r>
+            <a:r>
+              <a:rPr lang="en-US" dirty="0" err="1" smtClean="0"/>
+              <a:t>đối</a:t>
+            </a:r>
+            <a:r>
+              <a:rPr lang="en-US" dirty="0" smtClean="0"/>
+              <a:t> </a:t>
+            </a:r>
+            <a:r>
+              <a:rPr lang="en-US" dirty="0" err="1" smtClean="0"/>
+              <a:t>số</a:t>
+            </a:r>
+            <a:r>
+              <a:rPr lang="en-US" dirty="0" smtClean="0"/>
+              <a:t> </a:t>
+            </a:r>
+            <a:r>
+              <a:rPr lang="en-US" dirty="0" err="1" smtClean="0"/>
+              <a:t>là</a:t>
+            </a:r>
+            <a:r>
+              <a:rPr lang="en-US" dirty="0" smtClean="0"/>
+              <a:t> 2 float, </a:t>
+            </a:r>
+            <a:r>
+              <a:rPr lang="en-US" dirty="0" err="1" smtClean="0"/>
+              <a:t>lưu</a:t>
+            </a:r>
+            <a:r>
+              <a:rPr lang="en-US" dirty="0" smtClean="0"/>
+              <a:t> </a:t>
+            </a:r>
+            <a:r>
+              <a:rPr lang="en-US" dirty="0" err="1" smtClean="0"/>
+              <a:t>giá</a:t>
+            </a:r>
+            <a:r>
+              <a:rPr lang="en-US" dirty="0" smtClean="0"/>
+              <a:t> </a:t>
+            </a:r>
+            <a:r>
+              <a:rPr lang="en-US" dirty="0" err="1" smtClean="0"/>
+              <a:t>trị</a:t>
+            </a:r>
+            <a:r>
+              <a:rPr lang="en-US" dirty="0" smtClean="0"/>
+              <a:t> </a:t>
+            </a:r>
+            <a:r>
+              <a:rPr lang="en-US" dirty="0" err="1" smtClean="0"/>
+              <a:t>vào</a:t>
+            </a:r>
+            <a:r>
+              <a:rPr lang="en-US" dirty="0" smtClean="0"/>
+              <a:t> </a:t>
+            </a:r>
+            <a:r>
+              <a:rPr lang="en-US" dirty="0" err="1" smtClean="0"/>
+              <a:t>biến</a:t>
+            </a:r>
+            <a:r>
+              <a:rPr lang="en-US" dirty="0" smtClean="0"/>
+              <a:t> a, b</a:t>
+            </a:r>
+          </a:p>
+          <a:p>
+            <a:r>
+              <a:rPr lang="en-US" dirty="0" err="1"/>
+              <a:t>Tạo</a:t>
+            </a:r>
+            <a:r>
+              <a:rPr lang="en-US" dirty="0"/>
+              <a:t> </a:t>
+            </a:r>
+            <a:r>
+              <a:rPr lang="en-US" dirty="0" err="1"/>
+              <a:t>hàm</a:t>
+            </a:r>
+            <a:r>
+              <a:rPr lang="en-US" dirty="0"/>
+              <a:t> </a:t>
+            </a:r>
+            <a:r>
+              <a:rPr lang="en-US" dirty="0" smtClean="0"/>
+              <a:t>constructor </a:t>
+            </a:r>
+            <a:r>
+              <a:rPr lang="en-US" dirty="0" err="1"/>
+              <a:t>với</a:t>
+            </a:r>
+            <a:r>
+              <a:rPr lang="en-US" dirty="0"/>
+              <a:t> 2 </a:t>
+            </a:r>
+            <a:r>
+              <a:rPr lang="en-US" dirty="0" err="1"/>
+              <a:t>đối</a:t>
+            </a:r>
+            <a:r>
+              <a:rPr lang="en-US" dirty="0"/>
+              <a:t> </a:t>
+            </a:r>
+            <a:r>
+              <a:rPr lang="en-US" dirty="0" err="1"/>
+              <a:t>số</a:t>
+            </a:r>
+            <a:r>
+              <a:rPr lang="en-US" dirty="0"/>
+              <a:t> </a:t>
+            </a:r>
+            <a:r>
+              <a:rPr lang="en-US" dirty="0" err="1"/>
+              <a:t>là</a:t>
+            </a:r>
+            <a:r>
+              <a:rPr lang="en-US" dirty="0"/>
+              <a:t> 2 </a:t>
+            </a:r>
+            <a:r>
+              <a:rPr lang="en-US" dirty="0" err="1" smtClean="0"/>
+              <a:t>int</a:t>
+            </a:r>
+            <a:r>
+              <a:rPr lang="en-US" dirty="0" smtClean="0"/>
+              <a:t>, </a:t>
+            </a:r>
+            <a:r>
+              <a:rPr lang="en-US" dirty="0" err="1"/>
+              <a:t>lưu</a:t>
+            </a:r>
+            <a:r>
+              <a:rPr lang="en-US" dirty="0"/>
+              <a:t> </a:t>
+            </a:r>
+            <a:r>
+              <a:rPr lang="en-US" dirty="0" err="1"/>
+              <a:t>giá</a:t>
+            </a:r>
+            <a:r>
+              <a:rPr lang="en-US" dirty="0"/>
+              <a:t> </a:t>
+            </a:r>
+            <a:r>
+              <a:rPr lang="en-US" dirty="0" err="1"/>
+              <a:t>trị</a:t>
+            </a:r>
+            <a:r>
+              <a:rPr lang="en-US" dirty="0"/>
+              <a:t> </a:t>
+            </a:r>
+            <a:r>
+              <a:rPr lang="en-US" dirty="0" err="1"/>
+              <a:t>vào</a:t>
+            </a:r>
+            <a:r>
+              <a:rPr lang="en-US" dirty="0"/>
+              <a:t> </a:t>
+            </a:r>
+            <a:r>
+              <a:rPr lang="en-US" dirty="0" err="1"/>
+              <a:t>biến</a:t>
+            </a:r>
+            <a:r>
+              <a:rPr lang="en-US" dirty="0"/>
+              <a:t> </a:t>
+            </a:r>
+            <a:r>
+              <a:rPr lang="en-US" dirty="0" smtClean="0"/>
+              <a:t>a1, b1</a:t>
+            </a:r>
+          </a:p>
+          <a:p>
+            <a:r>
+              <a:rPr lang="en-US" dirty="0" err="1" smtClean="0"/>
+              <a:t>Tạo</a:t>
+            </a:r>
+            <a:r>
+              <a:rPr lang="en-US" dirty="0" smtClean="0"/>
+              <a:t> </a:t>
+            </a:r>
+            <a:r>
+              <a:rPr lang="en-US" dirty="0" err="1" smtClean="0"/>
+              <a:t>các</a:t>
+            </a:r>
+            <a:r>
+              <a:rPr lang="en-US" dirty="0" smtClean="0"/>
+              <a:t> </a:t>
+            </a:r>
+            <a:r>
+              <a:rPr lang="en-US" dirty="0" err="1" smtClean="0"/>
+              <a:t>hàm</a:t>
+            </a:r>
+            <a:r>
+              <a:rPr lang="en-US" dirty="0" smtClean="0"/>
+              <a:t> </a:t>
+            </a:r>
+            <a:r>
+              <a:rPr lang="en-US" dirty="0" err="1" smtClean="0"/>
+              <a:t>tính</a:t>
+            </a:r>
+            <a:r>
+              <a:rPr lang="en-US" dirty="0" smtClean="0"/>
+              <a:t> </a:t>
+            </a:r>
+            <a:r>
+              <a:rPr lang="en-US" dirty="0" err="1" smtClean="0"/>
+              <a:t>tổng</a:t>
+            </a:r>
+            <a:r>
+              <a:rPr lang="en-US" dirty="0" smtClean="0"/>
+              <a:t> </a:t>
+            </a:r>
+            <a:r>
+              <a:rPr lang="en-US" dirty="0" err="1" smtClean="0"/>
+              <a:t>với</a:t>
+            </a:r>
+            <a:r>
+              <a:rPr lang="en-US" dirty="0" smtClean="0"/>
+              <a:t> 2 </a:t>
+            </a:r>
+            <a:r>
+              <a:rPr lang="en-US" dirty="0" err="1" smtClean="0"/>
+              <a:t>số</a:t>
+            </a:r>
+            <a:r>
+              <a:rPr lang="en-US" dirty="0" smtClean="0"/>
+              <a:t> </a:t>
+            </a:r>
+            <a:r>
+              <a:rPr lang="en-US" dirty="0" err="1" smtClean="0"/>
+              <a:t>int</a:t>
+            </a:r>
+            <a:r>
+              <a:rPr lang="en-US" dirty="0" smtClean="0"/>
+              <a:t>, 2 </a:t>
+            </a:r>
+            <a:r>
+              <a:rPr lang="en-US" dirty="0" err="1" smtClean="0"/>
+              <a:t>số</a:t>
+            </a:r>
+            <a:r>
+              <a:rPr lang="en-US" dirty="0" smtClean="0"/>
+              <a:t> float </a:t>
+            </a:r>
+            <a:r>
+              <a:rPr lang="en-US" dirty="0" err="1" smtClean="0"/>
+              <a:t>được</a:t>
+            </a:r>
+            <a:r>
+              <a:rPr lang="en-US" dirty="0" smtClean="0"/>
+              <a:t> </a:t>
+            </a:r>
+            <a:r>
+              <a:rPr lang="en-US" dirty="0" err="1" smtClean="0"/>
+              <a:t>khởi</a:t>
+            </a:r>
+            <a:r>
+              <a:rPr lang="en-US" dirty="0" smtClean="0"/>
+              <a:t> </a:t>
+            </a:r>
+            <a:r>
+              <a:rPr lang="en-US" dirty="0" err="1" smtClean="0"/>
+              <a:t>tạo</a:t>
+            </a:r>
+            <a:r>
+              <a:rPr lang="en-US" dirty="0" smtClean="0"/>
+              <a:t> </a:t>
+            </a:r>
+            <a:r>
+              <a:rPr lang="en-US" dirty="0" err="1" smtClean="0"/>
+              <a:t>bởi</a:t>
+            </a:r>
+            <a:r>
+              <a:rPr lang="en-US" dirty="0" smtClean="0"/>
+              <a:t> constructor</a:t>
+            </a:r>
+          </a:p>
+          <a:p>
+            <a:r>
+              <a:rPr lang="en-US" dirty="0" err="1"/>
+              <a:t>Tạo</a:t>
+            </a:r>
+            <a:r>
+              <a:rPr lang="en-US" dirty="0"/>
+              <a:t> </a:t>
+            </a:r>
+            <a:r>
+              <a:rPr lang="en-US" dirty="0" err="1"/>
+              <a:t>các</a:t>
+            </a:r>
+            <a:r>
+              <a:rPr lang="en-US" dirty="0"/>
+              <a:t> </a:t>
+            </a:r>
+            <a:r>
+              <a:rPr lang="en-US" dirty="0" err="1"/>
+              <a:t>hàm</a:t>
+            </a:r>
+            <a:r>
+              <a:rPr lang="en-US" dirty="0"/>
+              <a:t> </a:t>
+            </a:r>
+            <a:r>
+              <a:rPr lang="en-US" dirty="0" err="1"/>
+              <a:t>tính</a:t>
+            </a:r>
+            <a:r>
+              <a:rPr lang="en-US" dirty="0"/>
+              <a:t> </a:t>
+            </a:r>
+            <a:r>
+              <a:rPr lang="en-US" dirty="0" err="1" smtClean="0"/>
+              <a:t>giá</a:t>
+            </a:r>
+            <a:r>
+              <a:rPr lang="en-US" dirty="0" smtClean="0"/>
+              <a:t> </a:t>
+            </a:r>
+            <a:r>
+              <a:rPr lang="en-US" dirty="0" err="1" smtClean="0"/>
+              <a:t>trị</a:t>
+            </a:r>
+            <a:r>
+              <a:rPr lang="en-US" dirty="0" smtClean="0"/>
+              <a:t> </a:t>
+            </a:r>
+            <a:r>
+              <a:rPr lang="en-US" dirty="0" err="1" smtClean="0"/>
+              <a:t>trung</a:t>
+            </a:r>
+            <a:r>
+              <a:rPr lang="en-US" dirty="0" smtClean="0"/>
+              <a:t> </a:t>
+            </a:r>
+            <a:r>
+              <a:rPr lang="en-US" dirty="0" err="1" smtClean="0"/>
+              <a:t>bình</a:t>
+            </a:r>
+            <a:r>
+              <a:rPr lang="en-US" dirty="0" smtClean="0"/>
+              <a:t> </a:t>
+            </a:r>
+            <a:r>
+              <a:rPr lang="en-US" dirty="0" err="1"/>
+              <a:t>với</a:t>
+            </a:r>
+            <a:r>
+              <a:rPr lang="en-US" dirty="0"/>
+              <a:t> 2 </a:t>
+            </a:r>
+            <a:r>
+              <a:rPr lang="en-US" dirty="0" err="1"/>
+              <a:t>số</a:t>
+            </a:r>
+            <a:r>
+              <a:rPr lang="en-US" dirty="0"/>
+              <a:t> </a:t>
+            </a:r>
+            <a:r>
+              <a:rPr lang="en-US" dirty="0" err="1"/>
+              <a:t>int</a:t>
+            </a:r>
+            <a:r>
+              <a:rPr lang="en-US" dirty="0"/>
+              <a:t>, 2 </a:t>
+            </a:r>
+            <a:r>
+              <a:rPr lang="en-US" dirty="0" err="1"/>
+              <a:t>số</a:t>
+            </a:r>
+            <a:r>
+              <a:rPr lang="en-US" dirty="0"/>
+              <a:t> float </a:t>
+            </a:r>
+            <a:r>
+              <a:rPr lang="en-US" dirty="0" err="1"/>
+              <a:t>được</a:t>
+            </a:r>
+            <a:r>
+              <a:rPr lang="en-US" dirty="0"/>
+              <a:t> </a:t>
+            </a:r>
+            <a:r>
+              <a:rPr lang="en-US" dirty="0" err="1"/>
+              <a:t>khởi</a:t>
+            </a:r>
+            <a:r>
+              <a:rPr lang="en-US" dirty="0"/>
+              <a:t> </a:t>
+            </a:r>
+            <a:r>
+              <a:rPr lang="en-US" dirty="0" err="1"/>
+              <a:t>tạo</a:t>
+            </a:r>
+            <a:r>
+              <a:rPr lang="en-US" dirty="0"/>
+              <a:t> </a:t>
+            </a:r>
+            <a:r>
+              <a:rPr lang="en-US" dirty="0" err="1"/>
+              <a:t>bởi</a:t>
+            </a:r>
+            <a:r>
+              <a:rPr lang="en-US" dirty="0"/>
+              <a:t> </a:t>
+            </a:r>
+            <a:r>
+              <a:rPr lang="en-US" dirty="0" smtClean="0"/>
+              <a:t>constructor</a:t>
+            </a:r>
+          </a:p>
+          <a:p>
+            <a:r>
+              <a:rPr lang="en-US" dirty="0" err="1" smtClean="0"/>
+              <a:t>Viết</a:t>
+            </a:r>
+            <a:r>
+              <a:rPr lang="en-US" dirty="0" smtClean="0"/>
+              <a:t> </a:t>
+            </a:r>
+            <a:r>
+              <a:rPr lang="en-US" dirty="0" err="1" smtClean="0"/>
+              <a:t>khoảng</a:t>
+            </a:r>
+            <a:r>
+              <a:rPr lang="en-US" smtClean="0"/>
+              <a:t> 4 </a:t>
+            </a:r>
+            <a:r>
+              <a:rPr lang="en-US" dirty="0" err="1" smtClean="0"/>
+              <a:t>hàm</a:t>
+            </a:r>
+            <a:r>
+              <a:rPr lang="en-US" dirty="0" smtClean="0"/>
+              <a:t> test </a:t>
+            </a:r>
+            <a:r>
+              <a:rPr lang="en-US" dirty="0" err="1" smtClean="0"/>
+              <a:t>bằng</a:t>
+            </a:r>
+            <a:r>
+              <a:rPr lang="en-US" dirty="0" smtClean="0"/>
+              <a:t> Junit </a:t>
+            </a:r>
+            <a:r>
+              <a:rPr lang="en-US" dirty="0" err="1" smtClean="0"/>
+              <a:t>để</a:t>
+            </a:r>
+            <a:r>
+              <a:rPr lang="en-US" dirty="0" smtClean="0"/>
+              <a:t> </a:t>
+            </a:r>
+            <a:r>
+              <a:rPr lang="en-US" dirty="0" err="1" smtClean="0"/>
+              <a:t>kiểm</a:t>
+            </a:r>
+            <a:r>
+              <a:rPr lang="en-US" dirty="0" smtClean="0"/>
+              <a:t> </a:t>
+            </a:r>
+            <a:r>
+              <a:rPr lang="en-US" dirty="0" err="1" smtClean="0"/>
+              <a:t>tra</a:t>
+            </a:r>
+            <a:r>
+              <a:rPr lang="en-US" dirty="0" smtClean="0"/>
+              <a:t> </a:t>
+            </a:r>
+            <a:r>
+              <a:rPr lang="en-US" dirty="0" err="1" smtClean="0"/>
+              <a:t>tính</a:t>
+            </a:r>
+            <a:r>
+              <a:rPr lang="en-US" dirty="0" smtClean="0"/>
+              <a:t> </a:t>
+            </a:r>
+            <a:r>
+              <a:rPr lang="en-US" dirty="0" err="1" smtClean="0"/>
+              <a:t>đúng</a:t>
+            </a:r>
+            <a:r>
+              <a:rPr lang="en-US" dirty="0" smtClean="0"/>
+              <a:t> </a:t>
+            </a:r>
+            <a:r>
+              <a:rPr lang="en-US" dirty="0" err="1" smtClean="0"/>
+              <a:t>đắn</a:t>
+            </a:r>
+            <a:r>
+              <a:rPr lang="en-US" dirty="0" smtClean="0"/>
+              <a:t> </a:t>
+            </a:r>
+            <a:r>
+              <a:rPr lang="en-US" dirty="0" err="1" smtClean="0"/>
+              <a:t>của</a:t>
+            </a:r>
+            <a:r>
+              <a:rPr lang="en-US" dirty="0" smtClean="0"/>
+              <a:t> </a:t>
+            </a:r>
+            <a:r>
+              <a:rPr lang="en-US" dirty="0" err="1" smtClean="0"/>
+              <a:t>hàm</a:t>
+            </a:r>
+            <a:r>
+              <a:rPr lang="en-US" dirty="0" smtClean="0"/>
+              <a:t> </a:t>
+            </a:r>
+            <a:r>
+              <a:rPr lang="en-US" dirty="0" err="1" smtClean="0"/>
+              <a:t>tính</a:t>
+            </a:r>
+            <a:r>
+              <a:rPr lang="en-US" dirty="0" smtClean="0"/>
+              <a:t> </a:t>
+            </a:r>
+            <a:r>
+              <a:rPr lang="en-US" dirty="0" err="1" smtClean="0"/>
+              <a:t>tổng</a:t>
+            </a:r>
+            <a:r>
+              <a:rPr lang="en-US" dirty="0" smtClean="0"/>
+              <a:t> </a:t>
+            </a:r>
+            <a:r>
+              <a:rPr lang="en-US" dirty="0" err="1" smtClean="0"/>
+              <a:t>trên</a:t>
+            </a:r>
+            <a:r>
+              <a:rPr lang="en-US" dirty="0" smtClean="0"/>
+              <a:t> </a:t>
+            </a:r>
+            <a:r>
+              <a:rPr lang="en-US" dirty="0" err="1" smtClean="0"/>
+              <a:t>với</a:t>
+            </a:r>
+            <a:r>
+              <a:rPr lang="en-US" dirty="0" smtClean="0"/>
+              <a:t> </a:t>
+            </a:r>
+            <a:r>
+              <a:rPr lang="en-US" dirty="0" err="1" smtClean="0"/>
+              <a:t>các</a:t>
+            </a:r>
+            <a:r>
+              <a:rPr lang="en-US" dirty="0" smtClean="0"/>
+              <a:t> </a:t>
+            </a:r>
+            <a:r>
+              <a:rPr lang="en-US" dirty="0" err="1" smtClean="0"/>
+              <a:t>cặp</a:t>
+            </a:r>
+            <a:r>
+              <a:rPr lang="en-US" dirty="0" smtClean="0"/>
+              <a:t> </a:t>
+            </a:r>
+            <a:r>
+              <a:rPr lang="en-US" dirty="0" err="1" smtClean="0"/>
+              <a:t>số</a:t>
+            </a:r>
+            <a:r>
+              <a:rPr lang="en-US" dirty="0"/>
+              <a:t> </a:t>
+            </a:r>
+            <a:r>
+              <a:rPr lang="en-US" dirty="0" err="1" smtClean="0"/>
+              <a:t>tự</a:t>
+            </a:r>
+            <a:r>
+              <a:rPr lang="en-US" dirty="0" smtClean="0"/>
+              <a:t> </a:t>
+            </a:r>
+            <a:r>
+              <a:rPr lang="en-US" dirty="0" err="1" smtClean="0"/>
+              <a:t>chọn</a:t>
+            </a:r>
+            <a:endParaRPr lang="en-US" dirty="0" smtClean="0"/>
+          </a:p>
+          <a:p>
+            <a:pPr marL="0" indent="0">
+              <a:buNone/>
+            </a:pPr>
+            <a:r>
+              <a:rPr lang="en-US" dirty="0" err="1" smtClean="0"/>
+              <a:t>Lưu</a:t>
+            </a:r>
+            <a:r>
+              <a:rPr lang="en-US" dirty="0" smtClean="0"/>
+              <a:t> ý: </a:t>
+            </a:r>
+            <a:r>
+              <a:rPr lang="en-US" dirty="0" err="1" smtClean="0"/>
+              <a:t>Chương</a:t>
+            </a:r>
+            <a:r>
+              <a:rPr lang="en-US" dirty="0" smtClean="0"/>
+              <a:t> </a:t>
+            </a:r>
+            <a:r>
+              <a:rPr lang="en-US" dirty="0" err="1" smtClean="0"/>
+              <a:t>trình</a:t>
+            </a:r>
+            <a:r>
+              <a:rPr lang="en-US" dirty="0" smtClean="0"/>
+              <a:t> </a:t>
+            </a:r>
+            <a:r>
+              <a:rPr lang="en-US" dirty="0" err="1" smtClean="0"/>
+              <a:t>cần</a:t>
+            </a:r>
+            <a:r>
+              <a:rPr lang="en-US" dirty="0" smtClean="0"/>
+              <a:t> </a:t>
+            </a:r>
+            <a:r>
+              <a:rPr lang="en-US" dirty="0" err="1" smtClean="0"/>
+              <a:t>sử</a:t>
+            </a:r>
+            <a:r>
+              <a:rPr lang="en-US" dirty="0" smtClean="0"/>
+              <a:t> </a:t>
+            </a:r>
+            <a:r>
+              <a:rPr lang="en-US" dirty="0" err="1" smtClean="0"/>
+              <a:t>dụng</a:t>
+            </a:r>
+            <a:r>
+              <a:rPr lang="en-US" dirty="0" smtClean="0"/>
+              <a:t> Maven </a:t>
+            </a:r>
+            <a:r>
+              <a:rPr lang="en-US" dirty="0" err="1" smtClean="0"/>
+              <a:t>và</a:t>
+            </a:r>
+            <a:r>
+              <a:rPr lang="en-US" dirty="0" smtClean="0"/>
+              <a:t> Junit</a:t>
+            </a:r>
+            <a:endParaRPr lang="en-US" dirty="0"/>
+          </a:p>
+        </p:txBody>
+      </p:sp>
+    </p:spTree>
+    <p:extLst>
+      <p:ext uri="{BB962C8B-B14F-4D97-AF65-F5344CB8AC3E}">
+        <p14:creationId xmlns:p14="http://schemas.microsoft.com/office/powerpoint/2010/main" val="3751792311"/>
+      </p:ext>
+    </p:extLst>
+  </p:cSld>
+  <p:clrMapOvr>
+    <a:masterClrMapping/>
+  </p:clrMapOvr>
+</p:sld>
+</file>
+
 <file path=ppt/slides/slide2.xml><?xml version="1.0" encoding="utf-8"?>
 <p:sld xmlns:a="http://schemas.openxmlformats.org/drawingml/2006/main" xmlns:r="http://schemas.openxmlformats.org/officeDocument/2006/relationships" xmlns:p="http://schemas.openxmlformats.org/presentationml/2006/main">
   <p:cSld>
@@ -7491,11 +8289,7 @@
             </a:r>
             <a:r>
               <a:rPr lang="en-US" dirty="0" smtClean="0"/>
-              <a:t> Java - </a:t>
-            </a:r>
-            <a:r>
-              <a:rPr lang="en-US" dirty="0" smtClean="0"/>
-              <a:t>Default Constructor </a:t>
+              <a:t> Java - Default Constructor </a:t>
             </a:r>
             <a:endParaRPr lang="en-US" dirty="0"/>
           </a:p>
@@ -8138,11 +8932,7 @@
             </a:r>
             <a:r>
               <a:rPr lang="en-US" dirty="0" smtClean="0"/>
-              <a:t> Java - </a:t>
-            </a:r>
-            <a:r>
-              <a:rPr lang="en-US" dirty="0" smtClean="0"/>
-              <a:t>Parameterized Constructor (</a:t>
+              <a:t> Java - Parameterized Constructor (</a:t>
             </a:r>
             <a:r>
               <a:rPr lang="en-US" dirty="0" err="1" smtClean="0"/>

--- a/documents/slides/java/Bai 2- Constructor trong Java va huong dan su dung Maven tool.pptx
+++ b/documents/slides/java/Bai 2- Constructor trong Java va huong dan su dung Maven tool.pptx
@@ -8175,36 +8175,36 @@
               <a:t> </a:t>
             </a:r>
             <a:r>
-              <a:rPr lang="en-US" dirty="0" err="1"/>
-              <a:t>trả</a:t>
-            </a:r>
-            <a:r>
-              <a:rPr lang="en-US" dirty="0"/>
-              <a:t> </a:t>
-            </a:r>
-            <a:r>
-              <a:rPr lang="en-US" dirty="0" err="1"/>
-              <a:t>về</a:t>
-            </a:r>
-            <a:r>
-              <a:rPr lang="en-US" dirty="0"/>
-              <a:t> </a:t>
-            </a:r>
-            <a:r>
-              <a:rPr lang="en-US" dirty="0" err="1"/>
+              <a:rPr lang="en-US" dirty="0" err="1" smtClean="0"/>
               <a:t>rõ</a:t>
             </a:r>
             <a:r>
-              <a:rPr lang="en-US" dirty="0"/>
-              <a:t> </a:t>
-            </a:r>
-            <a:r>
-              <a:rPr lang="en-US" dirty="0" smtClean="0"/>
-              <a:t>rang: </a:t>
-            </a:r>
-            <a:r>
-              <a:rPr lang="en-US" dirty="0" err="1" smtClean="0"/>
-              <a:t>voild</a:t>
+              <a:rPr lang="en-US" dirty="0" smtClean="0"/>
+              <a:t> rang </a:t>
+            </a:r>
+            <a:r>
+              <a:rPr lang="en-US" dirty="0" err="1" smtClean="0"/>
+              <a:t>cho</a:t>
+            </a:r>
+            <a:r>
+              <a:rPr lang="en-US" dirty="0" smtClean="0"/>
+              <a:t> </a:t>
+            </a:r>
+            <a:r>
+              <a:rPr lang="en-US" dirty="0" err="1" smtClean="0"/>
+              <a:t>đối</a:t>
+            </a:r>
+            <a:r>
+              <a:rPr lang="en-US" dirty="0" smtClean="0"/>
+              <a:t> </a:t>
+            </a:r>
+            <a:r>
+              <a:rPr lang="en-US" dirty="0" err="1" smtClean="0"/>
+              <a:t>số</a:t>
+            </a:r>
+            <a:r>
+              <a:rPr lang="en-US" dirty="0" smtClean="0"/>
+              <a:t>: void</a:t>
             </a:r>
             <a:r>
               <a:rPr lang="en-US" dirty="0" smtClean="0"/>
@@ -8212,11 +8212,15 @@
             </a:r>
             <a:r>
               <a:rPr lang="en-US" dirty="0" err="1" smtClean="0"/>
-              <a:t>init</a:t>
-            </a:r>
-            <a:r>
-              <a:rPr lang="en-US" dirty="0" smtClean="0"/>
-              <a:t> …</a:t>
+              <a:t>int</a:t>
+            </a:r>
+            <a:r>
+              <a:rPr lang="en-US" dirty="0" smtClean="0"/>
+              <a:t> </a:t>
+            </a:r>
+            <a:r>
+              <a:rPr lang="en-US" dirty="0" smtClean="0"/>
+              <a:t>…</a:t>
             </a:r>
             <a:endParaRPr lang="en-US" dirty="0"/>
           </a:p>
